--- a/요구사항분석서/std.pptx
+++ b/요구사항분석서/std.pptx
@@ -7,6 +7,7 @@
   <p:sldIdLst>
     <p:sldId id="256" r:id="rId2"/>
     <p:sldId id="257" r:id="rId3"/>
+    <p:sldId id="258" r:id="rId4"/>
   </p:sldIdLst>
   <p:sldSz cx="12192000" cy="6858000"/>
   <p:notesSz cx="6858000" cy="9144000"/>
@@ -105,6 +106,11 @@
       </a:defRPr>
     </a:lvl9pPr>
   </p:defaultTextStyle>
+  <p:extLst>
+    <p:ext uri="{EFAFB233-063F-42B5-8137-9DF3F51BA10A}">
+      <p15:sldGuideLst xmlns:p15="http://schemas.microsoft.com/office/powerpoint/2012/main"/>
+    </p:ext>
+  </p:extLst>
 </p:presentation>
 </file>
 
@@ -255,7 +261,7 @@
           <a:p>
             <a:fld id="{41A9BCF1-89C8-4D95-94BA-E5C25CCBD515}" type="datetimeFigureOut">
               <a:rPr lang="ko-KR" altLang="en-US" smtClean="0"/>
-              <a:t>2020-11-17</a:t>
+              <a:t>2020-12-02</a:t>
             </a:fld>
             <a:endParaRPr lang="ko-KR" altLang="en-US"/>
           </a:p>
@@ -453,7 +459,7 @@
           <a:p>
             <a:fld id="{41A9BCF1-89C8-4D95-94BA-E5C25CCBD515}" type="datetimeFigureOut">
               <a:rPr lang="ko-KR" altLang="en-US" smtClean="0"/>
-              <a:t>2020-11-17</a:t>
+              <a:t>2020-12-02</a:t>
             </a:fld>
             <a:endParaRPr lang="ko-KR" altLang="en-US"/>
           </a:p>
@@ -661,7 +667,7 @@
           <a:p>
             <a:fld id="{41A9BCF1-89C8-4D95-94BA-E5C25CCBD515}" type="datetimeFigureOut">
               <a:rPr lang="ko-KR" altLang="en-US" smtClean="0"/>
-              <a:t>2020-11-17</a:t>
+              <a:t>2020-12-02</a:t>
             </a:fld>
             <a:endParaRPr lang="ko-KR" altLang="en-US"/>
           </a:p>
@@ -859,7 +865,7 @@
           <a:p>
             <a:fld id="{41A9BCF1-89C8-4D95-94BA-E5C25CCBD515}" type="datetimeFigureOut">
               <a:rPr lang="ko-KR" altLang="en-US" smtClean="0"/>
-              <a:t>2020-11-17</a:t>
+              <a:t>2020-12-02</a:t>
             </a:fld>
             <a:endParaRPr lang="ko-KR" altLang="en-US"/>
           </a:p>
@@ -1134,7 +1140,7 @@
           <a:p>
             <a:fld id="{41A9BCF1-89C8-4D95-94BA-E5C25CCBD515}" type="datetimeFigureOut">
               <a:rPr lang="ko-KR" altLang="en-US" smtClean="0"/>
-              <a:t>2020-11-17</a:t>
+              <a:t>2020-12-02</a:t>
             </a:fld>
             <a:endParaRPr lang="ko-KR" altLang="en-US"/>
           </a:p>
@@ -1399,7 +1405,7 @@
           <a:p>
             <a:fld id="{41A9BCF1-89C8-4D95-94BA-E5C25CCBD515}" type="datetimeFigureOut">
               <a:rPr lang="ko-KR" altLang="en-US" smtClean="0"/>
-              <a:t>2020-11-17</a:t>
+              <a:t>2020-12-02</a:t>
             </a:fld>
             <a:endParaRPr lang="ko-KR" altLang="en-US"/>
           </a:p>
@@ -1811,7 +1817,7 @@
           <a:p>
             <a:fld id="{41A9BCF1-89C8-4D95-94BA-E5C25CCBD515}" type="datetimeFigureOut">
               <a:rPr lang="ko-KR" altLang="en-US" smtClean="0"/>
-              <a:t>2020-11-17</a:t>
+              <a:t>2020-12-02</a:t>
             </a:fld>
             <a:endParaRPr lang="ko-KR" altLang="en-US"/>
           </a:p>
@@ -1952,7 +1958,7 @@
           <a:p>
             <a:fld id="{41A9BCF1-89C8-4D95-94BA-E5C25CCBD515}" type="datetimeFigureOut">
               <a:rPr lang="ko-KR" altLang="en-US" smtClean="0"/>
-              <a:t>2020-11-17</a:t>
+              <a:t>2020-12-02</a:t>
             </a:fld>
             <a:endParaRPr lang="ko-KR" altLang="en-US"/>
           </a:p>
@@ -2065,7 +2071,7 @@
           <a:p>
             <a:fld id="{41A9BCF1-89C8-4D95-94BA-E5C25CCBD515}" type="datetimeFigureOut">
               <a:rPr lang="ko-KR" altLang="en-US" smtClean="0"/>
-              <a:t>2020-11-17</a:t>
+              <a:t>2020-12-02</a:t>
             </a:fld>
             <a:endParaRPr lang="ko-KR" altLang="en-US"/>
           </a:p>
@@ -2376,7 +2382,7 @@
           <a:p>
             <a:fld id="{41A9BCF1-89C8-4D95-94BA-E5C25CCBD515}" type="datetimeFigureOut">
               <a:rPr lang="ko-KR" altLang="en-US" smtClean="0"/>
-              <a:t>2020-11-17</a:t>
+              <a:t>2020-12-02</a:t>
             </a:fld>
             <a:endParaRPr lang="ko-KR" altLang="en-US"/>
           </a:p>
@@ -2664,7 +2670,7 @@
           <a:p>
             <a:fld id="{41A9BCF1-89C8-4D95-94BA-E5C25CCBD515}" type="datetimeFigureOut">
               <a:rPr lang="ko-KR" altLang="en-US" smtClean="0"/>
-              <a:t>2020-11-17</a:t>
+              <a:t>2020-12-02</a:t>
             </a:fld>
             <a:endParaRPr lang="ko-KR" altLang="en-US"/>
           </a:p>
@@ -2905,7 +2911,7 @@
           <a:p>
             <a:fld id="{41A9BCF1-89C8-4D95-94BA-E5C25CCBD515}" type="datetimeFigureOut">
               <a:rPr lang="ko-KR" altLang="en-US" smtClean="0"/>
-              <a:t>2020-11-17</a:t>
+              <a:t>2020-12-02</a:t>
             </a:fld>
             <a:endParaRPr lang="ko-KR" altLang="en-US"/>
           </a:p>
@@ -3363,10 +3369,10 @@
           <a:p>
             <a:pPr algn="ctr"/>
             <a:r>
-              <a:rPr lang="en-US" altLang="ko-KR" dirty="0"/>
+              <a:rPr lang="en-US" altLang="ko-KR" sz="1600" dirty="0"/>
               <a:t>char</a:t>
             </a:r>
-            <a:endParaRPr lang="ko-KR" altLang="en-US" dirty="0"/>
+            <a:endParaRPr lang="ko-KR" altLang="en-US" sz="1600" dirty="0"/>
           </a:p>
         </p:txBody>
       </p:sp>
@@ -3411,10 +3417,10 @@
           <a:p>
             <a:pPr algn="ctr"/>
             <a:r>
-              <a:rPr lang="en-US" altLang="ko-KR" dirty="0"/>
+              <a:rPr lang="en-US" altLang="ko-KR" sz="1400" dirty="0"/>
               <a:t>Create</a:t>
             </a:r>
-            <a:endParaRPr lang="ko-KR" altLang="en-US" dirty="0"/>
+            <a:endParaRPr lang="ko-KR" altLang="en-US" sz="1400" dirty="0"/>
           </a:p>
         </p:txBody>
       </p:sp>
@@ -3459,7 +3465,7 @@
           <a:p>
             <a:pPr algn="ctr"/>
             <a:r>
-              <a:rPr lang="en-US" altLang="ko-KR" dirty="0"/>
+              <a:rPr lang="en-US" altLang="ko-KR" sz="1400" dirty="0"/>
               <a:t>Update</a:t>
             </a:r>
           </a:p>
@@ -3506,10 +3512,10 @@
           <a:p>
             <a:pPr algn="ctr"/>
             <a:r>
-              <a:rPr lang="en-US" altLang="ko-KR" dirty="0"/>
+              <a:rPr lang="en-US" altLang="ko-KR" sz="1400" dirty="0"/>
               <a:t>Delete</a:t>
             </a:r>
-            <a:endParaRPr lang="ko-KR" altLang="en-US" dirty="0"/>
+            <a:endParaRPr lang="ko-KR" altLang="en-US" sz="1400" dirty="0"/>
           </a:p>
         </p:txBody>
       </p:sp>
@@ -3652,7 +3658,7 @@
         <p:spPr>
           <a:xfrm>
             <a:off x="3308968" y="1650042"/>
-            <a:ext cx="2032986" cy="338554"/>
+            <a:ext cx="2032986" cy="307777"/>
           </a:xfrm>
           <a:prstGeom prst="rect">
             <a:avLst/>
@@ -3666,10 +3672,10 @@
           <a:lstStyle/>
           <a:p>
             <a:r>
-              <a:rPr lang="en-US" altLang="ko-KR" sz="1600" dirty="0"/>
+              <a:rPr lang="en-US" altLang="ko-KR" sz="1400" dirty="0"/>
               <a:t>Create Schedule</a:t>
             </a:r>
-            <a:endParaRPr lang="ko-KR" altLang="en-US" sz="1600" dirty="0"/>
+            <a:endParaRPr lang="ko-KR" altLang="en-US" sz="1400" dirty="0"/>
           </a:p>
         </p:txBody>
       </p:sp>
@@ -3688,7 +3694,7 @@
         <p:spPr>
           <a:xfrm>
             <a:off x="5184190" y="2988953"/>
-            <a:ext cx="2032986" cy="338554"/>
+            <a:ext cx="2032986" cy="307777"/>
           </a:xfrm>
           <a:prstGeom prst="rect">
             <a:avLst/>
@@ -3702,10 +3708,10 @@
           <a:lstStyle/>
           <a:p>
             <a:r>
-              <a:rPr lang="en-US" altLang="ko-KR" sz="1600" dirty="0"/>
+              <a:rPr lang="en-US" altLang="ko-KR" sz="1400" dirty="0"/>
               <a:t>Update Schedule</a:t>
             </a:r>
-            <a:endParaRPr lang="ko-KR" altLang="en-US" sz="1600" dirty="0"/>
+            <a:endParaRPr lang="ko-KR" altLang="en-US" sz="1400" dirty="0"/>
           </a:p>
         </p:txBody>
       </p:sp>
@@ -3724,7 +3730,7 @@
         <p:spPr>
           <a:xfrm>
             <a:off x="7082345" y="3141188"/>
-            <a:ext cx="2032986" cy="338554"/>
+            <a:ext cx="2032986" cy="307777"/>
           </a:xfrm>
           <a:prstGeom prst="rect">
             <a:avLst/>
@@ -3738,10 +3744,10 @@
           <a:lstStyle/>
           <a:p>
             <a:r>
-              <a:rPr lang="en-US" altLang="ko-KR" sz="1600" dirty="0"/>
+              <a:rPr lang="en-US" altLang="ko-KR" sz="1400" dirty="0"/>
               <a:t>Delete Schedule</a:t>
             </a:r>
-            <a:endParaRPr lang="ko-KR" altLang="en-US" sz="1600" dirty="0"/>
+            <a:endParaRPr lang="ko-KR" altLang="en-US" sz="1400" dirty="0"/>
           </a:p>
         </p:txBody>
       </p:sp>
@@ -3882,7 +3888,7 @@
         <p:spPr>
           <a:xfrm>
             <a:off x="3632448" y="3128171"/>
-            <a:ext cx="2032986" cy="338554"/>
+            <a:ext cx="2032986" cy="307777"/>
           </a:xfrm>
           <a:prstGeom prst="rect">
             <a:avLst/>
@@ -3896,10 +3902,10 @@
           <a:lstStyle/>
           <a:p>
             <a:r>
-              <a:rPr lang="en-US" altLang="ko-KR" sz="1600" dirty="0"/>
+              <a:rPr lang="en-US" altLang="ko-KR" sz="1400" dirty="0"/>
               <a:t>Disabled date</a:t>
             </a:r>
-            <a:endParaRPr lang="ko-KR" altLang="en-US" sz="1600" dirty="0"/>
+            <a:endParaRPr lang="ko-KR" altLang="en-US" sz="1400" dirty="0"/>
           </a:p>
         </p:txBody>
       </p:sp>
@@ -3918,7 +3924,7 @@
         <p:spPr>
           <a:xfrm>
             <a:off x="5378390" y="1776550"/>
-            <a:ext cx="2032986" cy="338554"/>
+            <a:ext cx="2032986" cy="307777"/>
           </a:xfrm>
           <a:prstGeom prst="rect">
             <a:avLst/>
@@ -3932,10 +3938,10 @@
           <a:lstStyle/>
           <a:p>
             <a:r>
-              <a:rPr lang="en-US" altLang="ko-KR" sz="1600" dirty="0"/>
+              <a:rPr lang="en-US" altLang="ko-KR" sz="1400" dirty="0"/>
               <a:t>Disabled date</a:t>
             </a:r>
-            <a:endParaRPr lang="ko-KR" altLang="en-US" sz="1600" dirty="0"/>
+            <a:endParaRPr lang="ko-KR" altLang="en-US" sz="1400" dirty="0"/>
           </a:p>
         </p:txBody>
       </p:sp>
@@ -3954,7 +3960,7 @@
         <p:spPr>
           <a:xfrm>
             <a:off x="7318529" y="1650042"/>
-            <a:ext cx="2032986" cy="338554"/>
+            <a:ext cx="2032986" cy="307777"/>
           </a:xfrm>
           <a:prstGeom prst="rect">
             <a:avLst/>
@@ -3968,10 +3974,10 @@
           <a:lstStyle/>
           <a:p>
             <a:r>
-              <a:rPr lang="en-US" altLang="ko-KR" sz="1600" dirty="0"/>
+              <a:rPr lang="en-US" altLang="ko-KR" sz="1400" dirty="0"/>
               <a:t>Abled date</a:t>
             </a:r>
-            <a:endParaRPr lang="ko-KR" altLang="en-US" sz="1600" dirty="0"/>
+            <a:endParaRPr lang="ko-KR" altLang="en-US" sz="1400" dirty="0"/>
           </a:p>
         </p:txBody>
       </p:sp>
@@ -4088,10 +4094,10 @@
           <a:p>
             <a:pPr algn="ctr"/>
             <a:r>
-              <a:rPr lang="en-US" altLang="ko-KR" dirty="0"/>
+              <a:rPr lang="en-US" altLang="ko-KR" sz="1600" dirty="0"/>
               <a:t>Boolean</a:t>
             </a:r>
-            <a:endParaRPr lang="ko-KR" altLang="en-US" dirty="0"/>
+            <a:endParaRPr lang="ko-KR" altLang="en-US" sz="1600" dirty="0"/>
           </a:p>
         </p:txBody>
       </p:sp>
@@ -4177,10 +4183,10 @@
           <a:p>
             <a:pPr algn="ctr"/>
             <a:r>
-              <a:rPr lang="en-US" altLang="ko-KR" dirty="0"/>
+              <a:rPr lang="en-US" altLang="ko-KR" sz="1400" dirty="0"/>
               <a:t>On</a:t>
             </a:r>
-            <a:endParaRPr lang="ko-KR" altLang="en-US" dirty="0"/>
+            <a:endParaRPr lang="ko-KR" altLang="en-US" sz="1400" dirty="0"/>
           </a:p>
         </p:txBody>
       </p:sp>
@@ -4225,10 +4231,10 @@
           <a:p>
             <a:pPr algn="ctr"/>
             <a:r>
-              <a:rPr lang="en-US" altLang="ko-KR" dirty="0"/>
+              <a:rPr lang="en-US" altLang="ko-KR" sz="1400" dirty="0"/>
               <a:t>Off</a:t>
             </a:r>
-            <a:endParaRPr lang="ko-KR" altLang="en-US" dirty="0"/>
+            <a:endParaRPr lang="ko-KR" altLang="en-US" sz="1400" dirty="0"/>
           </a:p>
         </p:txBody>
       </p:sp>
@@ -4409,7 +4415,7 @@
         <p:spPr>
           <a:xfrm>
             <a:off x="4726630" y="2530737"/>
-            <a:ext cx="1359763" cy="338554"/>
+            <a:ext cx="1359763" cy="307777"/>
           </a:xfrm>
           <a:prstGeom prst="rect">
             <a:avLst/>
@@ -4423,10 +4429,10 @@
           <a:lstStyle/>
           <a:p>
             <a:r>
-              <a:rPr lang="en-US" altLang="ko-KR" sz="1600" dirty="0"/>
+              <a:rPr lang="en-US" altLang="ko-KR" sz="1400" dirty="0"/>
               <a:t>Set Alarm=1</a:t>
             </a:r>
-            <a:endParaRPr lang="ko-KR" altLang="en-US" sz="1600" dirty="0"/>
+            <a:endParaRPr lang="ko-KR" altLang="en-US" sz="1400" dirty="0"/>
           </a:p>
         </p:txBody>
       </p:sp>
@@ -4445,7 +4451,7 @@
         <p:spPr>
           <a:xfrm>
             <a:off x="4054137" y="1584478"/>
-            <a:ext cx="1079376" cy="338554"/>
+            <a:ext cx="1079376" cy="307777"/>
           </a:xfrm>
           <a:prstGeom prst="rect">
             <a:avLst/>
@@ -4459,10 +4465,10 @@
           <a:lstStyle/>
           <a:p>
             <a:r>
-              <a:rPr lang="en-US" altLang="ko-KR" sz="1600" dirty="0"/>
+              <a:rPr lang="en-US" altLang="ko-KR" sz="1400" dirty="0"/>
               <a:t>On Alarm</a:t>
             </a:r>
-            <a:endParaRPr lang="ko-KR" altLang="en-US" sz="1600" dirty="0"/>
+            <a:endParaRPr lang="ko-KR" altLang="en-US" sz="1400" dirty="0"/>
           </a:p>
         </p:txBody>
       </p:sp>
@@ -4481,7 +4487,7 @@
         <p:spPr>
           <a:xfrm>
             <a:off x="6399298" y="2548907"/>
-            <a:ext cx="1318377" cy="338554"/>
+            <a:ext cx="1318377" cy="307777"/>
           </a:xfrm>
           <a:prstGeom prst="rect">
             <a:avLst/>
@@ -4495,10 +4501,10 @@
           <a:lstStyle/>
           <a:p>
             <a:r>
-              <a:rPr lang="en-US" altLang="ko-KR" sz="1600" dirty="0"/>
+              <a:rPr lang="en-US" altLang="ko-KR" sz="1400" dirty="0"/>
               <a:t>Off Alarm</a:t>
             </a:r>
-            <a:endParaRPr lang="ko-KR" altLang="en-US" sz="1600" dirty="0"/>
+            <a:endParaRPr lang="ko-KR" altLang="en-US" sz="1400" dirty="0"/>
           </a:p>
         </p:txBody>
       </p:sp>
@@ -4517,7 +4523,7 @@
         <p:spPr>
           <a:xfrm>
             <a:off x="7105305" y="1622395"/>
-            <a:ext cx="1439542" cy="338554"/>
+            <a:ext cx="1439542" cy="307777"/>
           </a:xfrm>
           <a:prstGeom prst="rect">
             <a:avLst/>
@@ -4531,10 +4537,10 @@
           <a:lstStyle/>
           <a:p>
             <a:r>
-              <a:rPr lang="en-US" altLang="ko-KR" sz="1600" dirty="0"/>
+              <a:rPr lang="en-US" altLang="ko-KR" sz="1400" dirty="0"/>
               <a:t>Set Alarm=0</a:t>
             </a:r>
-            <a:endParaRPr lang="ko-KR" altLang="en-US" sz="1600" dirty="0"/>
+            <a:endParaRPr lang="ko-KR" altLang="en-US" sz="1400" dirty="0"/>
           </a:p>
         </p:txBody>
       </p:sp>
@@ -4542,6 +4548,66 @@
     <p:extLst>
       <p:ext uri="{BB962C8B-B14F-4D97-AF65-F5344CB8AC3E}">
         <p14:creationId xmlns:p14="http://schemas.microsoft.com/office/powerpoint/2010/main" val="1596189835"/>
+      </p:ext>
+    </p:extLst>
+  </p:cSld>
+  <p:clrMapOvr>
+    <a:masterClrMapping/>
+  </p:clrMapOvr>
+</p:sld>
+</file>
+
+<file path=ppt/slides/slide3.xml><?xml version="1.0" encoding="utf-8"?>
+<p:sld xmlns:a="http://schemas.openxmlformats.org/drawingml/2006/main" xmlns:r="http://schemas.openxmlformats.org/officeDocument/2006/relationships" xmlns:p="http://schemas.openxmlformats.org/presentationml/2006/main">
+  <p:cSld>
+    <p:spTree>
+      <p:nvGrpSpPr>
+        <p:cNvPr id="1" name=""/>
+        <p:cNvGrpSpPr/>
+        <p:nvPr/>
+      </p:nvGrpSpPr>
+      <p:grpSpPr>
+        <a:xfrm>
+          <a:off x="0" y="0"/>
+          <a:ext cx="0" cy="0"/>
+          <a:chOff x="0" y="0"/>
+          <a:chExt cx="0" cy="0"/>
+        </a:xfrm>
+      </p:grpSpPr>
+      <p:pic>
+        <p:nvPicPr>
+          <p:cNvPr id="4" name="그림 3">
+            <a:extLst>
+              <a:ext uri="{FF2B5EF4-FFF2-40B4-BE49-F238E27FC236}">
+                <a16:creationId xmlns:a16="http://schemas.microsoft.com/office/drawing/2014/main" id="{F0CCDA74-C5B3-41B8-98D3-478878671EAD}"/>
+              </a:ext>
+            </a:extLst>
+          </p:cNvPr>
+          <p:cNvPicPr>
+            <a:picLocks noChangeAspect="1"/>
+          </p:cNvPicPr>
+          <p:nvPr/>
+        </p:nvPicPr>
+        <p:blipFill>
+          <a:blip r:embed="rId2"/>
+          <a:stretch>
+            <a:fillRect/>
+          </a:stretch>
+        </p:blipFill>
+        <p:spPr>
+          <a:xfrm>
+            <a:off x="1464816" y="1984885"/>
+            <a:ext cx="7675638" cy="3640884"/>
+          </a:xfrm>
+          <a:prstGeom prst="rect">
+            <a:avLst/>
+          </a:prstGeom>
+        </p:spPr>
+      </p:pic>
+    </p:spTree>
+    <p:extLst>
+      <p:ext uri="{BB962C8B-B14F-4D97-AF65-F5344CB8AC3E}">
+        <p14:creationId xmlns:p14="http://schemas.microsoft.com/office/powerpoint/2010/main" val="2434238578"/>
       </p:ext>
     </p:extLst>
   </p:cSld>
